--- a/Figures/project_intro/figures.pptx
+++ b/Figures/project_intro/figures.pptx
@@ -6,6 +6,7 @@
   </p:sldMasterIdLst>
   <p:sldIdLst>
     <p:sldId id="256" r:id="rId2"/>
+    <p:sldId id="257" r:id="rId3"/>
   </p:sldIdLst>
   <p:sldSz cx="12192000" cy="6858000"/>
   <p:notesSz cx="6858000" cy="9144000"/>
@@ -104,13 +105,18 @@
       </a:defRPr>
     </a:lvl9pPr>
   </p:defaultTextStyle>
+  <p:extLst>
+    <p:ext uri="{EFAFB233-063F-42B5-8137-9DF3F51BA10A}">
+      <p15:sldGuideLst xmlns:p15="http://schemas.microsoft.com/office/powerpoint/2012/main"/>
+    </p:ext>
+  </p:extLst>
 </p:presentation>
 </file>
 
 <file path=ppt/revisionInfo.xml><?xml version="1.0" encoding="utf-8"?>
 <p1510:revInfo xmlns:a="http://schemas.openxmlformats.org/drawingml/2006/main" xmlns:r="http://schemas.openxmlformats.org/officeDocument/2006/relationships" xmlns:p1510="http://schemas.microsoft.com/office/powerpoint/2015/10/main">
   <p1510:revLst>
-    <p1510:client id="{38642F59-35CF-418C-B82D-062CAA8A1239}" v="95" dt="2024-10-09T12:36:46.561"/>
+    <p1510:client id="{38642F59-35CF-418C-B82D-062CAA8A1239}" v="96" dt="2024-10-21T20:08:32.127"/>
   </p1510:revLst>
 </p1510:revInfo>
 </file>
@@ -120,7 +126,7 @@
   <pc:docChgLst>
     <pc:chgData name="Kai Erik Hoff" userId="31cc0b0d-0cdc-46a5-ac5a-b771dc28ed80" providerId="ADAL" clId="{38642F59-35CF-418C-B82D-062CAA8A1239}"/>
     <pc:docChg chg="undo custSel addSld modSld">
-      <pc:chgData name="Kai Erik Hoff" userId="31cc0b0d-0cdc-46a5-ac5a-b771dc28ed80" providerId="ADAL" clId="{38642F59-35CF-418C-B82D-062CAA8A1239}" dt="2024-10-09T12:36:52.998" v="202" actId="1076"/>
+      <pc:chgData name="Kai Erik Hoff" userId="31cc0b0d-0cdc-46a5-ac5a-b771dc28ed80" providerId="ADAL" clId="{38642F59-35CF-418C-B82D-062CAA8A1239}" dt="2024-10-21T20:08:38.934" v="208" actId="1076"/>
       <pc:docMkLst>
         <pc:docMk/>
       </pc:docMkLst>
@@ -259,6 +265,37 @@
           </ac:cxnSpMkLst>
         </pc:cxnChg>
       </pc:sldChg>
+      <pc:sldChg chg="addSp delSp modSp new mod">
+        <pc:chgData name="Kai Erik Hoff" userId="31cc0b0d-0cdc-46a5-ac5a-b771dc28ed80" providerId="ADAL" clId="{38642F59-35CF-418C-B82D-062CAA8A1239}" dt="2024-10-21T20:08:38.934" v="208" actId="1076"/>
+        <pc:sldMkLst>
+          <pc:docMk/>
+          <pc:sldMk cId="616941617" sldId="257"/>
+        </pc:sldMkLst>
+        <pc:spChg chg="del">
+          <ac:chgData name="Kai Erik Hoff" userId="31cc0b0d-0cdc-46a5-ac5a-b771dc28ed80" providerId="ADAL" clId="{38642F59-35CF-418C-B82D-062CAA8A1239}" dt="2024-10-21T20:08:36.883" v="207" actId="478"/>
+          <ac:spMkLst>
+            <pc:docMk/>
+            <pc:sldMk cId="616941617" sldId="257"/>
+            <ac:spMk id="2" creationId="{357CD49E-3DF6-EFD5-2A66-AF310CC7C2AB}"/>
+          </ac:spMkLst>
+        </pc:spChg>
+        <pc:spChg chg="del">
+          <ac:chgData name="Kai Erik Hoff" userId="31cc0b0d-0cdc-46a5-ac5a-b771dc28ed80" providerId="ADAL" clId="{38642F59-35CF-418C-B82D-062CAA8A1239}" dt="2024-10-21T20:08:32.127" v="204"/>
+          <ac:spMkLst>
+            <pc:docMk/>
+            <pc:sldMk cId="616941617" sldId="257"/>
+            <ac:spMk id="3" creationId="{B415D7E1-E607-E10B-C1B2-CEF7EA2951AF}"/>
+          </ac:spMkLst>
+        </pc:spChg>
+        <pc:picChg chg="add mod">
+          <ac:chgData name="Kai Erik Hoff" userId="31cc0b0d-0cdc-46a5-ac5a-b771dc28ed80" providerId="ADAL" clId="{38642F59-35CF-418C-B82D-062CAA8A1239}" dt="2024-10-21T20:08:38.934" v="208" actId="1076"/>
+          <ac:picMkLst>
+            <pc:docMk/>
+            <pc:sldMk cId="616941617" sldId="257"/>
+            <ac:picMk id="5" creationId="{250FB0F2-7C7F-D8FF-82DF-2286078D5956}"/>
+          </ac:picMkLst>
+        </pc:picChg>
+      </pc:sldChg>
     </pc:docChg>
   </pc:docChgLst>
 </pc:chgInfo>
@@ -413,7 +450,7 @@
           <a:p>
             <a:fld id="{444EC2D7-8108-424B-A3E8-A708934E3FB6}" type="datetimeFigureOut">
               <a:rPr lang="nb-NO" smtClean="0"/>
-              <a:t>09.10.2024</a:t>
+              <a:t>21.10.2024</a:t>
             </a:fld>
             <a:endParaRPr lang="nb-NO"/>
           </a:p>
@@ -613,7 +650,7 @@
           <a:p>
             <a:fld id="{444EC2D7-8108-424B-A3E8-A708934E3FB6}" type="datetimeFigureOut">
               <a:rPr lang="nb-NO" smtClean="0"/>
-              <a:t>09.10.2024</a:t>
+              <a:t>21.10.2024</a:t>
             </a:fld>
             <a:endParaRPr lang="nb-NO"/>
           </a:p>
@@ -823,7 +860,7 @@
           <a:p>
             <a:fld id="{444EC2D7-8108-424B-A3E8-A708934E3FB6}" type="datetimeFigureOut">
               <a:rPr lang="nb-NO" smtClean="0"/>
-              <a:t>09.10.2024</a:t>
+              <a:t>21.10.2024</a:t>
             </a:fld>
             <a:endParaRPr lang="nb-NO"/>
           </a:p>
@@ -1023,7 +1060,7 @@
           <a:p>
             <a:fld id="{444EC2D7-8108-424B-A3E8-A708934E3FB6}" type="datetimeFigureOut">
               <a:rPr lang="nb-NO" smtClean="0"/>
-              <a:t>09.10.2024</a:t>
+              <a:t>21.10.2024</a:t>
             </a:fld>
             <a:endParaRPr lang="nb-NO"/>
           </a:p>
@@ -1299,7 +1336,7 @@
           <a:p>
             <a:fld id="{444EC2D7-8108-424B-A3E8-A708934E3FB6}" type="datetimeFigureOut">
               <a:rPr lang="nb-NO" smtClean="0"/>
-              <a:t>09.10.2024</a:t>
+              <a:t>21.10.2024</a:t>
             </a:fld>
             <a:endParaRPr lang="nb-NO"/>
           </a:p>
@@ -1567,7 +1604,7 @@
           <a:p>
             <a:fld id="{444EC2D7-8108-424B-A3E8-A708934E3FB6}" type="datetimeFigureOut">
               <a:rPr lang="nb-NO" smtClean="0"/>
-              <a:t>09.10.2024</a:t>
+              <a:t>21.10.2024</a:t>
             </a:fld>
             <a:endParaRPr lang="nb-NO"/>
           </a:p>
@@ -1982,7 +2019,7 @@
           <a:p>
             <a:fld id="{444EC2D7-8108-424B-A3E8-A708934E3FB6}" type="datetimeFigureOut">
               <a:rPr lang="nb-NO" smtClean="0"/>
-              <a:t>09.10.2024</a:t>
+              <a:t>21.10.2024</a:t>
             </a:fld>
             <a:endParaRPr lang="nb-NO"/>
           </a:p>
@@ -2124,7 +2161,7 @@
           <a:p>
             <a:fld id="{444EC2D7-8108-424B-A3E8-A708934E3FB6}" type="datetimeFigureOut">
               <a:rPr lang="nb-NO" smtClean="0"/>
-              <a:t>09.10.2024</a:t>
+              <a:t>21.10.2024</a:t>
             </a:fld>
             <a:endParaRPr lang="nb-NO"/>
           </a:p>
@@ -2237,7 +2274,7 @@
           <a:p>
             <a:fld id="{444EC2D7-8108-424B-A3E8-A708934E3FB6}" type="datetimeFigureOut">
               <a:rPr lang="nb-NO" smtClean="0"/>
-              <a:t>09.10.2024</a:t>
+              <a:t>21.10.2024</a:t>
             </a:fld>
             <a:endParaRPr lang="nb-NO"/>
           </a:p>
@@ -2550,7 +2587,7 @@
           <a:p>
             <a:fld id="{444EC2D7-8108-424B-A3E8-A708934E3FB6}" type="datetimeFigureOut">
               <a:rPr lang="nb-NO" smtClean="0"/>
-              <a:t>09.10.2024</a:t>
+              <a:t>21.10.2024</a:t>
             </a:fld>
             <a:endParaRPr lang="nb-NO"/>
           </a:p>
@@ -2839,7 +2876,7 @@
           <a:p>
             <a:fld id="{444EC2D7-8108-424B-A3E8-A708934E3FB6}" type="datetimeFigureOut">
               <a:rPr lang="nb-NO" smtClean="0"/>
-              <a:t>09.10.2024</a:t>
+              <a:t>21.10.2024</a:t>
             </a:fld>
             <a:endParaRPr lang="nb-NO"/>
           </a:p>
@@ -3082,7 +3119,7 @@
           <a:p>
             <a:fld id="{444EC2D7-8108-424B-A3E8-A708934E3FB6}" type="datetimeFigureOut">
               <a:rPr lang="nb-NO" smtClean="0"/>
-              <a:t>09.10.2024</a:t>
+              <a:t>21.10.2024</a:t>
             </a:fld>
             <a:endParaRPr lang="nb-NO"/>
           </a:p>
@@ -3968,8 +4005,8 @@
           </a:p>
         </p:txBody>
       </p:sp>
-      <mc:AlternateContent xmlns:mc="http://schemas.openxmlformats.org/markup-compatibility/2006">
-        <mc:Choice xmlns:a14="http://schemas.microsoft.com/office/drawing/2010/main" Requires="a14">
+      <mc:AlternateContent xmlns:mc="http://schemas.openxmlformats.org/markup-compatibility/2006" xmlns:a14="http://schemas.microsoft.com/office/drawing/2010/main">
+        <mc:Choice Requires="a14">
           <p:sp>
             <p:nvSpPr>
               <p:cNvPr id="25" name="TextBox 24">
@@ -4003,6 +4040,7 @@
               </a:bodyPr>
               <a:lstStyle/>
               <a:p>
+                <a:pPr/>
                 <a14:m>
                   <m:oMathPara xmlns:m="http://schemas.openxmlformats.org/officeDocument/2006/math">
                     <m:oMathParaPr>
@@ -4116,7 +4154,7 @@
             </p:txBody>
           </p:sp>
         </mc:Choice>
-        <mc:Fallback>
+        <mc:Fallback xmlns="">
           <p:sp>
             <p:nvSpPr>
               <p:cNvPr id="25" name="TextBox 24">
@@ -4166,8 +4204,8 @@
           </p:sp>
         </mc:Fallback>
       </mc:AlternateContent>
-      <mc:AlternateContent xmlns:mc="http://schemas.openxmlformats.org/markup-compatibility/2006">
-        <mc:Choice xmlns:a14="http://schemas.microsoft.com/office/drawing/2010/main" Requires="a14">
+      <mc:AlternateContent xmlns:mc="http://schemas.openxmlformats.org/markup-compatibility/2006" xmlns:a14="http://schemas.microsoft.com/office/drawing/2010/main">
+        <mc:Choice Requires="a14">
           <p:sp>
             <p:nvSpPr>
               <p:cNvPr id="27" name="TextBox 26">
@@ -4196,6 +4234,7 @@
               </a:bodyPr>
               <a:lstStyle/>
               <a:p>
+                <a:pPr/>
                 <a14:m>
                   <m:oMathPara xmlns:m="http://schemas.openxmlformats.org/officeDocument/2006/math">
                     <m:oMathParaPr>
@@ -4234,7 +4273,7 @@
             </p:txBody>
           </p:sp>
         </mc:Choice>
-        <mc:Fallback>
+        <mc:Fallback xmlns="">
           <p:sp>
             <p:nvSpPr>
               <p:cNvPr id="27" name="TextBox 26">
@@ -4279,8 +4318,8 @@
           </p:sp>
         </mc:Fallback>
       </mc:AlternateContent>
-      <mc:AlternateContent xmlns:mc="http://schemas.openxmlformats.org/markup-compatibility/2006">
-        <mc:Choice xmlns:a14="http://schemas.microsoft.com/office/drawing/2010/main" Requires="a14">
+      <mc:AlternateContent xmlns:mc="http://schemas.openxmlformats.org/markup-compatibility/2006" xmlns:a14="http://schemas.microsoft.com/office/drawing/2010/main">
+        <mc:Choice Requires="a14">
           <p:sp>
             <p:nvSpPr>
               <p:cNvPr id="28" name="TextBox 27">
@@ -4309,6 +4348,7 @@
               </a:bodyPr>
               <a:lstStyle/>
               <a:p>
+                <a:pPr/>
                 <a14:m>
                   <m:oMathPara xmlns:m="http://schemas.openxmlformats.org/officeDocument/2006/math">
                     <m:oMathParaPr>
@@ -4358,7 +4398,7 @@
             </p:txBody>
           </p:sp>
         </mc:Choice>
-        <mc:Fallback>
+        <mc:Fallback xmlns="">
           <p:sp>
             <p:nvSpPr>
               <p:cNvPr id="28" name="TextBox 27">
@@ -4407,6 +4447,71 @@
     <p:extLst>
       <p:ext uri="{BB962C8B-B14F-4D97-AF65-F5344CB8AC3E}">
         <p14:creationId xmlns:p14="http://schemas.microsoft.com/office/powerpoint/2010/main" val="1654678996"/>
+      </p:ext>
+    </p:extLst>
+  </p:cSld>
+  <p:clrMapOvr>
+    <a:masterClrMapping/>
+  </p:clrMapOvr>
+</p:sld>
+</file>
+
+<file path=ppt/slides/slide2.xml><?xml version="1.0" encoding="utf-8"?>
+<p:sld xmlns:a="http://schemas.openxmlformats.org/drawingml/2006/main" xmlns:r="http://schemas.openxmlformats.org/officeDocument/2006/relationships" xmlns:p="http://schemas.openxmlformats.org/presentationml/2006/main">
+  <p:cSld>
+    <p:spTree>
+      <p:nvGrpSpPr>
+        <p:cNvPr id="1" name=""/>
+        <p:cNvGrpSpPr/>
+        <p:nvPr/>
+      </p:nvGrpSpPr>
+      <p:grpSpPr>
+        <a:xfrm>
+          <a:off x="0" y="0"/>
+          <a:ext cx="0" cy="0"/>
+          <a:chOff x="0" y="0"/>
+          <a:chExt cx="0" cy="0"/>
+        </a:xfrm>
+      </p:grpSpPr>
+      <p:pic>
+        <p:nvPicPr>
+          <p:cNvPr id="5" name="Content Placeholder 4" descr="Diagram of a diagram of a mic&#10;&#10;Description automatically generated">
+            <a:extLst>
+              <a:ext uri="{FF2B5EF4-FFF2-40B4-BE49-F238E27FC236}">
+                <a16:creationId xmlns:a16="http://schemas.microsoft.com/office/drawing/2014/main" id="{250FB0F2-7C7F-D8FF-82DF-2286078D5956}"/>
+              </a:ext>
+            </a:extLst>
+          </p:cNvPr>
+          <p:cNvPicPr>
+            <a:picLocks noGrp="1" noChangeAspect="1"/>
+          </p:cNvPicPr>
+          <p:nvPr>
+            <p:ph idx="1"/>
+          </p:nvPr>
+        </p:nvPicPr>
+        <p:blipFill>
+          <a:blip r:embed="rId2">
+            <a:extLst>
+              <a:ext uri="{28A0092B-C50C-407E-A947-70E740481C1C}">
+                <a14:useLocalDpi xmlns:a14="http://schemas.microsoft.com/office/drawing/2010/main" val="0"/>
+              </a:ext>
+            </a:extLst>
+          </a:blip>
+          <a:stretch>
+            <a:fillRect/>
+          </a:stretch>
+        </p:blipFill>
+        <p:spPr>
+          <a:xfrm>
+            <a:off x="3150177" y="2038710"/>
+            <a:ext cx="5448300" cy="3038475"/>
+          </a:xfrm>
+        </p:spPr>
+      </p:pic>
+    </p:spTree>
+    <p:extLst>
+      <p:ext uri="{BB962C8B-B14F-4D97-AF65-F5344CB8AC3E}">
+        <p14:creationId xmlns:p14="http://schemas.microsoft.com/office/powerpoint/2010/main" val="616941617"/>
       </p:ext>
     </p:extLst>
   </p:cSld>
